--- a/DBMS/Theory/Slides/RelationalAlgebra_PracticeQueries.pptx
+++ b/DBMS/Theory/Slides/RelationalAlgebra_PracticeQueries.pptx
@@ -108,7 +108,49 @@
       </a:defRPr>
     </a:lvl9pPr>
   </p:defaultTextStyle>
+  <p:extLst>
+    <p:ext uri="{EFAFB233-063F-42B5-8137-9DF3F51BA10A}">
+      <p15:sldGuideLst xmlns:p15="http://schemas.microsoft.com/office/powerpoint/2012/main"/>
+    </p:ext>
+  </p:extLst>
 </p:presentation>
+</file>
+
+<file path=ppt/revisionInfo.xml><?xml version="1.0" encoding="utf-8"?>
+<p1510:revInfo xmlns:a="http://schemas.openxmlformats.org/drawingml/2006/main" xmlns:r="http://schemas.openxmlformats.org/officeDocument/2006/relationships" xmlns:p1510="http://schemas.microsoft.com/office/powerpoint/2015/10/main">
+  <p1510:revLst>
+    <p1510:client id="{B7AFB828-9924-4193-B2E0-64B38CEB7D27}" v="2" dt="2025-04-03T07:36:02.882"/>
+  </p1510:revLst>
+</p1510:revInfo>
+</file>
+
+<file path=ppt/changesInfos/changesInfo1.xml><?xml version="1.0" encoding="utf-8"?>
+<pc:chgInfo xmlns:a="http://schemas.openxmlformats.org/drawingml/2006/main" xmlns:r="http://schemas.openxmlformats.org/officeDocument/2006/relationships" xmlns:ac="http://schemas.microsoft.com/office/drawing/2013/main/command" xmlns:pc="http://schemas.microsoft.com/office/powerpoint/2013/main/command">
+  <pc:docChgLst>
+    <pc:chgData name="Muhammad Ahmad" userId="5fff20d3f984270d" providerId="LiveId" clId="{B7AFB828-9924-4193-B2E0-64B38CEB7D27}"/>
+    <pc:docChg chg="undo custSel modSld">
+      <pc:chgData name="Muhammad Ahmad" userId="5fff20d3f984270d" providerId="LiveId" clId="{B7AFB828-9924-4193-B2E0-64B38CEB7D27}" dt="2025-04-03T07:37:02.775" v="9" actId="27636"/>
+      <pc:docMkLst>
+        <pc:docMk/>
+      </pc:docMkLst>
+      <pc:sldChg chg="modSp mod">
+        <pc:chgData name="Muhammad Ahmad" userId="5fff20d3f984270d" providerId="LiveId" clId="{B7AFB828-9924-4193-B2E0-64B38CEB7D27}" dt="2025-04-03T07:37:02.775" v="9" actId="27636"/>
+        <pc:sldMkLst>
+          <pc:docMk/>
+          <pc:sldMk cId="251479941" sldId="260"/>
+        </pc:sldMkLst>
+        <pc:spChg chg="mod">
+          <ac:chgData name="Muhammad Ahmad" userId="5fff20d3f984270d" providerId="LiveId" clId="{B7AFB828-9924-4193-B2E0-64B38CEB7D27}" dt="2025-04-03T07:37:02.775" v="9" actId="27636"/>
+          <ac:spMkLst>
+            <pc:docMk/>
+            <pc:sldMk cId="251479941" sldId="260"/>
+            <ac:spMk id="3" creationId="{B1BAF45F-F679-DDEF-0AAE-2DFD2F5E56E3}"/>
+          </ac:spMkLst>
+        </pc:spChg>
+      </pc:sldChg>
+    </pc:docChg>
+  </pc:docChgLst>
+</pc:chgInfo>
 </file>
 
 <file path=ppt/slideLayouts/slideLayout1.xml><?xml version="1.0" encoding="utf-8"?>
@@ -258,7 +300,7 @@
           <a:p>
             <a:fld id="{96528CE5-89B2-4AF0-B15D-86EC540F5664}" type="datetimeFigureOut">
               <a:rPr lang="en-US" smtClean="0"/>
-              <a:t>3/24/2025</a:t>
+              <a:t>4/3/2025</a:t>
             </a:fld>
             <a:endParaRPr lang="en-US"/>
           </a:p>
@@ -456,7 +498,7 @@
           <a:p>
             <a:fld id="{96528CE5-89B2-4AF0-B15D-86EC540F5664}" type="datetimeFigureOut">
               <a:rPr lang="en-US" smtClean="0"/>
-              <a:t>3/24/2025</a:t>
+              <a:t>4/3/2025</a:t>
             </a:fld>
             <a:endParaRPr lang="en-US"/>
           </a:p>
@@ -664,7 +706,7 @@
           <a:p>
             <a:fld id="{96528CE5-89B2-4AF0-B15D-86EC540F5664}" type="datetimeFigureOut">
               <a:rPr lang="en-US" smtClean="0"/>
-              <a:t>3/24/2025</a:t>
+              <a:t>4/3/2025</a:t>
             </a:fld>
             <a:endParaRPr lang="en-US"/>
           </a:p>
@@ -862,7 +904,7 @@
           <a:p>
             <a:fld id="{96528CE5-89B2-4AF0-B15D-86EC540F5664}" type="datetimeFigureOut">
               <a:rPr lang="en-US" smtClean="0"/>
-              <a:t>3/24/2025</a:t>
+              <a:t>4/3/2025</a:t>
             </a:fld>
             <a:endParaRPr lang="en-US"/>
           </a:p>
@@ -1137,7 +1179,7 @@
           <a:p>
             <a:fld id="{96528CE5-89B2-4AF0-B15D-86EC540F5664}" type="datetimeFigureOut">
               <a:rPr lang="en-US" smtClean="0"/>
-              <a:t>3/24/2025</a:t>
+              <a:t>4/3/2025</a:t>
             </a:fld>
             <a:endParaRPr lang="en-US"/>
           </a:p>
@@ -1402,7 +1444,7 @@
           <a:p>
             <a:fld id="{96528CE5-89B2-4AF0-B15D-86EC540F5664}" type="datetimeFigureOut">
               <a:rPr lang="en-US" smtClean="0"/>
-              <a:t>3/24/2025</a:t>
+              <a:t>4/3/2025</a:t>
             </a:fld>
             <a:endParaRPr lang="en-US"/>
           </a:p>
@@ -1814,7 +1856,7 @@
           <a:p>
             <a:fld id="{96528CE5-89B2-4AF0-B15D-86EC540F5664}" type="datetimeFigureOut">
               <a:rPr lang="en-US" smtClean="0"/>
-              <a:t>3/24/2025</a:t>
+              <a:t>4/3/2025</a:t>
             </a:fld>
             <a:endParaRPr lang="en-US"/>
           </a:p>
@@ -1955,7 +1997,7 @@
           <a:p>
             <a:fld id="{96528CE5-89B2-4AF0-B15D-86EC540F5664}" type="datetimeFigureOut">
               <a:rPr lang="en-US" smtClean="0"/>
-              <a:t>3/24/2025</a:t>
+              <a:t>4/3/2025</a:t>
             </a:fld>
             <a:endParaRPr lang="en-US"/>
           </a:p>
@@ -2068,7 +2110,7 @@
           <a:p>
             <a:fld id="{96528CE5-89B2-4AF0-B15D-86EC540F5664}" type="datetimeFigureOut">
               <a:rPr lang="en-US" smtClean="0"/>
-              <a:t>3/24/2025</a:t>
+              <a:t>4/3/2025</a:t>
             </a:fld>
             <a:endParaRPr lang="en-US"/>
           </a:p>
@@ -2379,7 +2421,7 @@
           <a:p>
             <a:fld id="{96528CE5-89B2-4AF0-B15D-86EC540F5664}" type="datetimeFigureOut">
               <a:rPr lang="en-US" smtClean="0"/>
-              <a:t>3/24/2025</a:t>
+              <a:t>4/3/2025</a:t>
             </a:fld>
             <a:endParaRPr lang="en-US"/>
           </a:p>
@@ -2667,7 +2709,7 @@
           <a:p>
             <a:fld id="{96528CE5-89B2-4AF0-B15D-86EC540F5664}" type="datetimeFigureOut">
               <a:rPr lang="en-US" smtClean="0"/>
-              <a:t>3/24/2025</a:t>
+              <a:t>4/3/2025</a:t>
             </a:fld>
             <a:endParaRPr lang="en-US"/>
           </a:p>
@@ -2908,7 +2950,7 @@
           <a:p>
             <a:fld id="{96528CE5-89B2-4AF0-B15D-86EC540F5664}" type="datetimeFigureOut">
               <a:rPr lang="en-US" smtClean="0"/>
-              <a:t>3/24/2025</a:t>
+              <a:t>4/3/2025</a:t>
             </a:fld>
             <a:endParaRPr lang="en-US"/>
           </a:p>
@@ -3788,7 +3830,7 @@
         <p:spPr/>
         <p:txBody>
           <a:bodyPr>
-            <a:normAutofit fontScale="92500" lnSpcReduction="10000"/>
+            <a:normAutofit/>
           </a:bodyPr>
           <a:lstStyle/>
           <a:p>
@@ -3798,16 +3840,10 @@
             </a:r>
           </a:p>
           <a:p>
-            <a:endParaRPr lang="en-US" dirty="0"/>
-          </a:p>
-          <a:p>
             <a:r>
               <a:rPr lang="en-US" dirty="0"/>
               <a:t>For all the projects located in Stafford, list the project number, controlling department and the manager’s name</a:t>
             </a:r>
-          </a:p>
-          <a:p>
-            <a:endParaRPr lang="en-US" dirty="0"/>
           </a:p>
           <a:p>
             <a:r>
